--- a/ShoppingMall_DB_20161104.pptx
+++ b/ShoppingMall_DB_20161104.pptx
@@ -122,7 +122,7 @@
   </p:defaultTextStyle>
   <p:extLst>
     <p:ext uri="{EFAFB233-063F-42B5-8137-9DF3F51BA10A}">
-      <p15:sldGuideLst xmlns:p15="http://schemas.microsoft.com/office/powerpoint/2012/main">
+      <p15:sldGuideLst xmlns:p15="http://schemas.microsoft.com/office/powerpoint/2012/main" xmlns="">
         <p15:guide id="1" orient="horz" pos="2161">
           <p15:clr>
             <a:srgbClr val="A4A3A4"/>
@@ -221,7 +221,7 @@
           <a:p>
             <a:fld id="{182BF976-7388-4A9F-92C2-55CB7E2D5C2C}" type="datetimeFigureOut">
               <a:rPr lang="ko-KR" altLang="en-US" smtClean="0"/>
-              <a:t>2016. 11. 4.</a:t>
+              <a:t>2016-11-04</a:t>
             </a:fld>
             <a:endParaRPr lang="ko-KR" altLang="en-US"/>
           </a:p>
@@ -767,7 +767,7 @@
           <a:p>
             <a:fld id="{FB30EDBD-1C2D-4C1E-B459-B60219FAB484}" type="datetimeFigureOut">
               <a:rPr lang="ko-KR" altLang="en-US" smtClean="0"/>
-              <a:t>2016. 11. 4.</a:t>
+              <a:t>2016-11-04</a:t>
             </a:fld>
             <a:endParaRPr lang="ko-KR" altLang="en-US"/>
           </a:p>
@@ -930,7 +930,7 @@
           <a:p>
             <a:fld id="{FB30EDBD-1C2D-4C1E-B459-B60219FAB484}" type="datetimeFigureOut">
               <a:rPr lang="ko-KR" altLang="en-US" smtClean="0"/>
-              <a:t>2016. 11. 4.</a:t>
+              <a:t>2016-11-04</a:t>
             </a:fld>
             <a:endParaRPr lang="ko-KR" altLang="en-US"/>
           </a:p>
@@ -1103,7 +1103,7 @@
           <a:p>
             <a:fld id="{FB30EDBD-1C2D-4C1E-B459-B60219FAB484}" type="datetimeFigureOut">
               <a:rPr lang="ko-KR" altLang="en-US" smtClean="0"/>
-              <a:t>2016. 11. 4.</a:t>
+              <a:t>2016-11-04</a:t>
             </a:fld>
             <a:endParaRPr lang="ko-KR" altLang="en-US"/>
           </a:p>
@@ -1200,7 +1200,7 @@
                 </a:solidFill>
               </a:rPr>
               <a:pPr/>
-              <a:t>11/4/16</a:t>
+              <a:t>11/4/2016</a:t>
             </a:fld>
             <a:endParaRPr lang="en-US">
               <a:solidFill>
@@ -1602,7 +1602,7 @@
                 </a:solidFill>
               </a:rPr>
               <a:pPr/>
-              <a:t>11/4/16</a:t>
+              <a:t>11/4/2016</a:t>
             </a:fld>
             <a:endParaRPr lang="en-US">
               <a:solidFill>
@@ -1874,7 +1874,7 @@
                 </a:solidFill>
               </a:rPr>
               <a:pPr/>
-              <a:t>11/4/16</a:t>
+              <a:t>11/4/2016</a:t>
             </a:fld>
             <a:endParaRPr lang="en-US">
               <a:solidFill>
@@ -2074,7 +2074,7 @@
                 </a:solidFill>
               </a:rPr>
               <a:pPr/>
-              <a:t>11/4/16</a:t>
+              <a:t>11/4/2016</a:t>
             </a:fld>
             <a:endParaRPr lang="en-US">
               <a:solidFill>
@@ -2351,7 +2351,7 @@
                 </a:solidFill>
               </a:rPr>
               <a:pPr/>
-              <a:t>11/4/16</a:t>
+              <a:t>11/4/2016</a:t>
             </a:fld>
             <a:endParaRPr lang="en-US">
               <a:solidFill>
@@ -2668,7 +2668,7 @@
                 </a:solidFill>
               </a:rPr>
               <a:pPr/>
-              <a:t>11/4/16</a:t>
+              <a:t>11/4/2016</a:t>
             </a:fld>
             <a:endParaRPr lang="en-US">
               <a:solidFill>
@@ -3119,7 +3119,7 @@
                 </a:solidFill>
               </a:rPr>
               <a:pPr/>
-              <a:t>11/4/16</a:t>
+              <a:t>11/4/2016</a:t>
             </a:fld>
             <a:endParaRPr lang="en-US">
               <a:solidFill>
@@ -3246,7 +3246,7 @@
                 </a:solidFill>
               </a:rPr>
               <a:pPr/>
-              <a:t>11/4/16</a:t>
+              <a:t>11/4/2016</a:t>
             </a:fld>
             <a:endParaRPr lang="en-US">
               <a:solidFill>
@@ -3479,7 +3479,7 @@
           <a:p>
             <a:fld id="{FB30EDBD-1C2D-4C1E-B459-B60219FAB484}" type="datetimeFigureOut">
               <a:rPr lang="ko-KR" altLang="en-US" smtClean="0"/>
-              <a:t>2016. 11. 4.</a:t>
+              <a:t>2016-11-04</a:t>
             </a:fld>
             <a:endParaRPr lang="ko-KR" altLang="en-US"/>
           </a:p>
@@ -3576,7 +3576,7 @@
                 </a:solidFill>
               </a:rPr>
               <a:pPr/>
-              <a:t>11/4/16</a:t>
+              <a:t>11/4/2016</a:t>
             </a:fld>
             <a:endParaRPr lang="en-US">
               <a:solidFill>
@@ -3783,7 +3783,7 @@
                 </a:solidFill>
               </a:rPr>
               <a:pPr/>
-              <a:t>11/4/16</a:t>
+              <a:t>11/4/2016</a:t>
             </a:fld>
             <a:endParaRPr lang="en-US">
               <a:solidFill>
@@ -4090,7 +4090,7 @@
                 </a:solidFill>
               </a:rPr>
               <a:pPr/>
-              <a:t>11/4/16</a:t>
+              <a:t>11/4/2016</a:t>
             </a:fld>
             <a:endParaRPr lang="en-US">
               <a:solidFill>
@@ -4374,7 +4374,7 @@
                 </a:solidFill>
               </a:rPr>
               <a:pPr/>
-              <a:t>11/4/16</a:t>
+              <a:t>11/4/2016</a:t>
             </a:fld>
             <a:endParaRPr lang="en-US">
               <a:solidFill>
@@ -4574,7 +4574,7 @@
                 </a:solidFill>
               </a:rPr>
               <a:pPr/>
-              <a:t>11/4/16</a:t>
+              <a:t>11/4/2016</a:t>
             </a:fld>
             <a:endParaRPr lang="en-US">
               <a:solidFill>
@@ -4784,7 +4784,7 @@
                 </a:solidFill>
               </a:rPr>
               <a:pPr/>
-              <a:t>11/4/16</a:t>
+              <a:t>11/4/2016</a:t>
             </a:fld>
             <a:endParaRPr lang="en-US">
               <a:solidFill>
@@ -4911,7 +4911,7 @@
                 </a:solidFill>
               </a:rPr>
               <a:pPr/>
-              <a:t>11/4/16</a:t>
+              <a:t>11/4/2016</a:t>
             </a:fld>
             <a:endParaRPr lang="en-US">
               <a:solidFill>
@@ -5153,7 +5153,7 @@
                 </a:solidFill>
               </a:rPr>
               <a:pPr/>
-              <a:t>11/4/16</a:t>
+              <a:t>11/4/2016</a:t>
             </a:fld>
             <a:endParaRPr lang="en-US">
               <a:solidFill>
@@ -5372,7 +5372,7 @@
                 </a:solidFill>
               </a:rPr>
               <a:pPr/>
-              <a:t>11/4/16</a:t>
+              <a:t>11/4/2016</a:t>
             </a:fld>
             <a:endParaRPr lang="en-US">
               <a:solidFill>
@@ -5732,7 +5732,7 @@
           <a:p>
             <a:fld id="{FB30EDBD-1C2D-4C1E-B459-B60219FAB484}" type="datetimeFigureOut">
               <a:rPr lang="ko-KR" altLang="en-US" smtClean="0"/>
-              <a:t>2016. 11. 4.</a:t>
+              <a:t>2016-11-04</a:t>
             </a:fld>
             <a:endParaRPr lang="ko-KR" altLang="en-US"/>
           </a:p>
@@ -6012,7 +6012,7 @@
           <a:p>
             <a:fld id="{FB30EDBD-1C2D-4C1E-B459-B60219FAB484}" type="datetimeFigureOut">
               <a:rPr lang="ko-KR" altLang="en-US" smtClean="0"/>
-              <a:t>2016. 11. 4.</a:t>
+              <a:t>2016-11-04</a:t>
             </a:fld>
             <a:endParaRPr lang="ko-KR" altLang="en-US"/>
           </a:p>
@@ -6426,7 +6426,7 @@
           <a:p>
             <a:fld id="{FB30EDBD-1C2D-4C1E-B459-B60219FAB484}" type="datetimeFigureOut">
               <a:rPr lang="ko-KR" altLang="en-US" smtClean="0"/>
-              <a:t>2016. 11. 4.</a:t>
+              <a:t>2016-11-04</a:t>
             </a:fld>
             <a:endParaRPr lang="ko-KR" altLang="en-US"/>
           </a:p>
@@ -6538,7 +6538,7 @@
           <a:p>
             <a:fld id="{FB30EDBD-1C2D-4C1E-B459-B60219FAB484}" type="datetimeFigureOut">
               <a:rPr lang="ko-KR" altLang="en-US" smtClean="0"/>
-              <a:t>2016. 11. 4.</a:t>
+              <a:t>2016-11-04</a:t>
             </a:fld>
             <a:endParaRPr lang="ko-KR" altLang="en-US"/>
           </a:p>
@@ -6628,7 +6628,7 @@
           <a:p>
             <a:fld id="{FB30EDBD-1C2D-4C1E-B459-B60219FAB484}" type="datetimeFigureOut">
               <a:rPr lang="ko-KR" altLang="en-US" smtClean="0"/>
-              <a:t>2016. 11. 4.</a:t>
+              <a:t>2016-11-04</a:t>
             </a:fld>
             <a:endParaRPr lang="ko-KR" altLang="en-US"/>
           </a:p>
@@ -6898,7 +6898,7 @@
           <a:p>
             <a:fld id="{FB30EDBD-1C2D-4C1E-B459-B60219FAB484}" type="datetimeFigureOut">
               <a:rPr lang="ko-KR" altLang="en-US" smtClean="0"/>
-              <a:t>2016. 11. 4.</a:t>
+              <a:t>2016-11-04</a:t>
             </a:fld>
             <a:endParaRPr lang="ko-KR" altLang="en-US"/>
           </a:p>
@@ -7148,7 +7148,7 @@
           <a:p>
             <a:fld id="{FB30EDBD-1C2D-4C1E-B459-B60219FAB484}" type="datetimeFigureOut">
               <a:rPr lang="ko-KR" altLang="en-US" smtClean="0"/>
-              <a:t>2016. 11. 4.</a:t>
+              <a:t>2016-11-04</a:t>
             </a:fld>
             <a:endParaRPr lang="ko-KR" altLang="en-US"/>
           </a:p>
@@ -7373,7 +7373,7 @@
           <a:p>
             <a:fld id="{FB30EDBD-1C2D-4C1E-B459-B60219FAB484}" type="datetimeFigureOut">
               <a:rPr lang="ko-KR" altLang="en-US" smtClean="0"/>
-              <a:t>2016. 11. 4.</a:t>
+              <a:t>2016-11-04</a:t>
             </a:fld>
             <a:endParaRPr lang="ko-KR" altLang="en-US"/>
           </a:p>
@@ -7904,7 +7904,7 @@
                 </a:solidFill>
               </a:rPr>
               <a:pPr defTabSz="1218895" latinLnBrk="0"/>
-              <a:t>11/4/16</a:t>
+              <a:t>11/4/2016</a:t>
             </a:fld>
             <a:endParaRPr lang="en-US">
               <a:solidFill>
@@ -9081,25 +9081,6 @@
       </p:grpSpPr>
       <p:sp>
         <p:nvSpPr>
-          <p:cNvPr id="2" name="제목 1"/>
-          <p:cNvSpPr>
-            <a:spLocks noGrp="1"/>
-          </p:cNvSpPr>
-          <p:nvPr>
-            <p:ph type="title"/>
-          </p:nvPr>
-        </p:nvSpPr>
-        <p:spPr/>
-        <p:txBody>
-          <a:bodyPr/>
-          <a:lstStyle/>
-          <a:p>
-            <a:endParaRPr kumimoji="1" lang="ko-KR" altLang="en-US"/>
-          </a:p>
-        </p:txBody>
-      </p:sp>
-      <p:sp>
-        <p:nvSpPr>
           <p:cNvPr id="3" name="내용 개체 틀 2"/>
           <p:cNvSpPr>
             <a:spLocks noGrp="1"/>
@@ -9108,20 +9089,26 @@
             <p:ph idx="1"/>
           </p:nvPr>
         </p:nvSpPr>
-        <p:spPr/>
-        <p:txBody>
-          <a:bodyPr/>
-          <a:lstStyle/>
-          <a:p>
-            <a:r>
-              <a:rPr kumimoji="1" lang="ko-KR" altLang="en-US" dirty="0" smtClean="0"/>
+        <p:spPr>
+          <a:xfrm>
+            <a:off x="609521" y="2413372"/>
+            <a:ext cx="10971372" cy="1436139"/>
+          </a:xfrm>
+        </p:spPr>
+        <p:txBody>
+          <a:bodyPr>
+            <a:normAutofit/>
+          </a:bodyPr>
+          <a:lstStyle/>
+          <a:p>
+            <a:pPr marL="0" indent="0" algn="ctr">
+              <a:buNone/>
+            </a:pPr>
+            <a:r>
+              <a:rPr kumimoji="1" lang="ko-KR" altLang="en-US" sz="6000" dirty="0" smtClean="0"/>
               <a:t>감사합니다</a:t>
             </a:r>
-            <a:r>
-              <a:rPr kumimoji="1" lang="en-US" altLang="ko-KR" dirty="0" smtClean="0"/>
-              <a:t>.</a:t>
-            </a:r>
-            <a:endParaRPr kumimoji="1" lang="ko-KR" altLang="en-US" dirty="0"/>
+            <a:endParaRPr kumimoji="1" lang="ko-KR" altLang="en-US" sz="6000" dirty="0"/>
           </a:p>
         </p:txBody>
       </p:sp>
@@ -9843,7 +9830,7 @@
           <p:nvPr/>
         </p:nvPicPr>
         <p:blipFill>
-          <a:blip r:embed="rId2">
+          <a:blip r:embed="rId2" cstate="print">
             <a:extLst>
               <a:ext uri="{28A0092B-C50C-407E-A947-70E740481C1C}">
                 <a14:useLocalDpi xmlns:a14="http://schemas.microsoft.com/office/drawing/2010/main" val="0"/>
@@ -11801,7 +11788,7 @@
   <a:extraClrSchemeLst/>
   <a:extLst>
     <a:ext uri="{05A4C25C-085E-4340-85A3-A5531E510DB2}">
-      <thm15:themeFamily xmlns:thm15="http://schemas.microsoft.com/office/thememl/2012/main" name="theme01" id="{E5A861E0-7DC1-493B-8557-2E126CD6ADFD}" vid="{1F6367BD-B352-4C19-B8A3-B08D00025BE6}"/>
+      <thm15:themeFamily xmlns:thm15="http://schemas.microsoft.com/office/thememl/2012/main" xmlns="" name="theme01" id="{E5A861E0-7DC1-493B-8557-2E126CD6ADFD}" vid="{1F6367BD-B352-4C19-B8A3-B08D00025BE6}"/>
     </a:ext>
   </a:extLst>
 </a:theme>
@@ -12179,7 +12166,7 @@
     </a:clrScheme>
     <a:fontScheme name="Office">
       <a:majorFont>
-        <a:latin typeface="맑은 고딕" panose="020F0302020204030204"/>
+        <a:latin typeface="맑은 고딕"/>
         <a:ea typeface=""/>
         <a:cs typeface=""/>
         <a:font script="Jpan" typeface="游ゴシック Light"/>
@@ -12231,7 +12218,7 @@
         <a:font script="Tfng" typeface="Ebrima"/>
       </a:majorFont>
       <a:minorFont>
-        <a:latin typeface="맑은 고딕" panose="020F0502020204030204"/>
+        <a:latin typeface="맑은 고딕"/>
         <a:ea typeface=""/>
         <a:cs typeface=""/>
         <a:font script="Jpan" typeface="游ゴシック"/>
@@ -12425,7 +12412,7 @@
   <a:extraClrSchemeLst/>
   <a:extLst>
     <a:ext uri="{05A4C25C-085E-4340-85A3-A5531E510DB2}">
-      <thm15:themeFamily xmlns:thm15="http://schemas.microsoft.com/office/thememl/2012/main" name="Office Theme" id="{62F939B6-93AF-4DB8-9C6B-D6C7DFDC589F}" vid="{4A3C46E8-61CC-4603-A589-7422A47A8E4A}"/>
+      <thm15:themeFamily xmlns:thm15="http://schemas.microsoft.com/office/thememl/2012/main" xmlns="" name="Office Theme" id="{62F939B6-93AF-4DB8-9C6B-D6C7DFDC589F}" vid="{4A3C46E8-61CC-4603-A589-7422A47A8E4A}"/>
     </a:ext>
   </a:extLst>
 </a:theme>
